--- a/v3顶边白底16-9.pptx
+++ b/v3顶边白底16-9.pptx
@@ -1952,7 +1952,7 @@
           <a:lstStyle>
             <a:lvl1pPr marL="0" indent="0" algn="l">
               <a:buNone/>
-              <a:defRPr sz="1800" cap="all">
+              <a:defRPr sz="1800" cap="none" baseline="0">
                 <a:solidFill>
                   <a:schemeClr val="accent2"/>
                 </a:solidFill>

--- a/v3顶边白底16-9.pptx
+++ b/v3顶边白底16-9.pptx
@@ -406,7 +406,7 @@
           <a:p>
             <a:fld id="{E4551058-E5DB-324A-A8E9-6D3BEF243C3B}" type="datetimeFigureOut">
               <a:rPr kumimoji="1" lang="zh-CN" altLang="en-US" smtClean="0"/>
-              <a:t>2022/6/9</a:t>
+              <a:t>2025/1/2</a:t>
             </a:fld>
             <a:endParaRPr kumimoji="1" lang="zh-CN" altLang="en-US"/>
           </a:p>
@@ -720,7 +720,7 @@
           <a:p>
             <a:fld id="{E4551058-E5DB-324A-A8E9-6D3BEF243C3B}" type="datetimeFigureOut">
               <a:rPr kumimoji="1" lang="zh-CN" altLang="en-US" smtClean="0"/>
-              <a:t>2022/6/9</a:t>
+              <a:t>2025/1/2</a:t>
             </a:fld>
             <a:endParaRPr kumimoji="1" lang="zh-CN" altLang="en-US"/>
           </a:p>
@@ -928,7 +928,7 @@
           <a:p>
             <a:fld id="{E4551058-E5DB-324A-A8E9-6D3BEF243C3B}" type="datetimeFigureOut">
               <a:rPr kumimoji="1" lang="zh-CN" altLang="en-US" smtClean="0"/>
-              <a:t>2022/6/9</a:t>
+              <a:t>2025/1/2</a:t>
             </a:fld>
             <a:endParaRPr kumimoji="1" lang="zh-CN" altLang="en-US"/>
           </a:p>
@@ -1202,7 +1202,7 @@
           <a:p>
             <a:fld id="{E4551058-E5DB-324A-A8E9-6D3BEF243C3B}" type="datetimeFigureOut">
               <a:rPr kumimoji="1" lang="zh-CN" altLang="en-US" smtClean="0"/>
-              <a:t>2022/6/9</a:t>
+              <a:t>2025/1/2</a:t>
             </a:fld>
             <a:endParaRPr kumimoji="1" lang="zh-CN" altLang="en-US"/>
           </a:p>
@@ -1405,7 +1405,7 @@
           <a:p>
             <a:fld id="{E4551058-E5DB-324A-A8E9-6D3BEF243C3B}" type="datetimeFigureOut">
               <a:rPr kumimoji="1" lang="zh-CN" altLang="en-US" smtClean="0"/>
-              <a:t>2022/6/9</a:t>
+              <a:t>2025/1/2</a:t>
             </a:fld>
             <a:endParaRPr kumimoji="1" lang="zh-CN" altLang="en-US"/>
           </a:p>
@@ -1582,7 +1582,7 @@
           <a:p>
             <a:fld id="{E4551058-E5DB-324A-A8E9-6D3BEF243C3B}" type="datetimeFigureOut">
               <a:rPr kumimoji="1" lang="zh-CN" altLang="en-US" smtClean="0"/>
-              <a:t>2022/6/9</a:t>
+              <a:t>2025/1/2</a:t>
             </a:fld>
             <a:endParaRPr kumimoji="1" lang="zh-CN" altLang="en-US"/>
           </a:p>
@@ -2087,7 +2087,7 @@
           <a:p>
             <a:fld id="{E4551058-E5DB-324A-A8E9-6D3BEF243C3B}" type="datetimeFigureOut">
               <a:rPr kumimoji="1" lang="zh-CN" altLang="en-US" smtClean="0"/>
-              <a:t>2022/6/9</a:t>
+              <a:t>2025/1/2</a:t>
             </a:fld>
             <a:endParaRPr kumimoji="1" lang="zh-CN" altLang="en-US" dirty="0"/>
           </a:p>
@@ -2344,7 +2344,7 @@
           <a:p>
             <a:fld id="{E4551058-E5DB-324A-A8E9-6D3BEF243C3B}" type="datetimeFigureOut">
               <a:rPr kumimoji="1" lang="zh-CN" altLang="en-US" smtClean="0"/>
-              <a:t>2022/6/9</a:t>
+              <a:t>2025/1/2</a:t>
             </a:fld>
             <a:endParaRPr kumimoji="1" lang="zh-CN" altLang="en-US"/>
           </a:p>
@@ -2731,7 +2731,7 @@
           <a:p>
             <a:fld id="{E4551058-E5DB-324A-A8E9-6D3BEF243C3B}" type="datetimeFigureOut">
               <a:rPr kumimoji="1" lang="zh-CN" altLang="en-US" smtClean="0"/>
-              <a:t>2022/6/9</a:t>
+              <a:t>2025/1/2</a:t>
             </a:fld>
             <a:endParaRPr kumimoji="1" lang="zh-CN" altLang="en-US"/>
           </a:p>
@@ -2858,7 +2858,7 @@
           <a:p>
             <a:fld id="{E4551058-E5DB-324A-A8E9-6D3BEF243C3B}" type="datetimeFigureOut">
               <a:rPr kumimoji="1" lang="zh-CN" altLang="en-US" smtClean="0"/>
-              <a:t>2022/6/9</a:t>
+              <a:t>2025/1/2</a:t>
             </a:fld>
             <a:endParaRPr kumimoji="1" lang="zh-CN" altLang="en-US"/>
           </a:p>
@@ -2985,7 +2985,7 @@
           <a:p>
             <a:fld id="{E4551058-E5DB-324A-A8E9-6D3BEF243C3B}" type="datetimeFigureOut">
               <a:rPr kumimoji="1" lang="zh-CN" altLang="en-US" smtClean="0"/>
-              <a:t>2022/6/9</a:t>
+              <a:t>2025/1/2</a:t>
             </a:fld>
             <a:endParaRPr kumimoji="1" lang="zh-CN" altLang="en-US"/>
           </a:p>
@@ -3416,7 +3416,7 @@
           <a:p>
             <a:fld id="{E4551058-E5DB-324A-A8E9-6D3BEF243C3B}" type="datetimeFigureOut">
               <a:rPr kumimoji="1" lang="zh-CN" altLang="en-US" smtClean="0"/>
-              <a:t>2022/6/9</a:t>
+              <a:t>2025/1/2</a:t>
             </a:fld>
             <a:endParaRPr kumimoji="1" lang="zh-CN" altLang="en-US" dirty="0"/>
           </a:p>
@@ -3699,7 +3699,7 @@
           <a:p>
             <a:fld id="{E4551058-E5DB-324A-A8E9-6D3BEF243C3B}" type="datetimeFigureOut">
               <a:rPr kumimoji="1" lang="zh-CN" altLang="en-US" smtClean="0"/>
-              <a:t>2022/6/9</a:t>
+              <a:t>2025/1/2</a:t>
             </a:fld>
             <a:endParaRPr kumimoji="1" lang="zh-CN" altLang="en-US"/>
           </a:p>
@@ -3795,7 +3795,7 @@
         </p:nvSpPr>
         <p:spPr>
           <a:xfrm>
-            <a:off x="0" y="6604001"/>
+            <a:off x="0" y="6612003"/>
             <a:ext cx="12192000" cy="245997"/>
           </a:xfrm>
           <a:prstGeom prst="rect">
